--- a/docs/assets/resources/图稿.pptx
+++ b/docs/assets/resources/图稿.pptx
@@ -11,7 +11,7 @@
     <p:sldId id="256" r:id="rId2"/>
     <p:sldId id="257" r:id="rId3"/>
     <p:sldId id="258" r:id="rId4"/>
-    <p:sldId id="259" r:id="rId5"/>
+    <p:sldId id="260" r:id="rId5"/>
   </p:sldIdLst>
   <p:sldSz cx="12192000" cy="6858000"/>
   <p:notesSz cx="6858000" cy="9144000"/>
@@ -200,7 +200,7 @@
           <a:p>
             <a:fld id="{17A4F7F0-CFD4-48AA-BE37-86A56726074B}" type="datetimeFigureOut">
               <a:rPr lang="zh-CN" altLang="en-US" smtClean="0"/>
-              <a:t>2020/03/12</a:t>
+              <a:t>2020/03/18</a:t>
             </a:fld>
             <a:endParaRPr lang="zh-CN" altLang="en-US"/>
           </a:p>
@@ -683,7 +683,7 @@
           <a:p>
             <a:fld id="{0E3A8074-ED22-4583-B570-4CE590686AF1}" type="datetimeFigureOut">
               <a:rPr lang="zh-CN" altLang="en-US" smtClean="0"/>
-              <a:t>2020/03/12</a:t>
+              <a:t>2020/03/18</a:t>
             </a:fld>
             <a:endParaRPr lang="zh-CN" altLang="en-US"/>
           </a:p>
@@ -853,7 +853,7 @@
           <a:p>
             <a:fld id="{0E3A8074-ED22-4583-B570-4CE590686AF1}" type="datetimeFigureOut">
               <a:rPr lang="zh-CN" altLang="en-US" smtClean="0"/>
-              <a:t>2020/03/12</a:t>
+              <a:t>2020/03/18</a:t>
             </a:fld>
             <a:endParaRPr lang="zh-CN" altLang="en-US"/>
           </a:p>
@@ -1033,7 +1033,7 @@
           <a:p>
             <a:fld id="{0E3A8074-ED22-4583-B570-4CE590686AF1}" type="datetimeFigureOut">
               <a:rPr lang="zh-CN" altLang="en-US" smtClean="0"/>
-              <a:t>2020/03/12</a:t>
+              <a:t>2020/03/18</a:t>
             </a:fld>
             <a:endParaRPr lang="zh-CN" altLang="en-US"/>
           </a:p>
@@ -1203,7 +1203,7 @@
           <a:p>
             <a:fld id="{0E3A8074-ED22-4583-B570-4CE590686AF1}" type="datetimeFigureOut">
               <a:rPr lang="zh-CN" altLang="en-US" smtClean="0"/>
-              <a:t>2020/03/12</a:t>
+              <a:t>2020/03/18</a:t>
             </a:fld>
             <a:endParaRPr lang="zh-CN" altLang="en-US"/>
           </a:p>
@@ -1449,7 +1449,7 @@
           <a:p>
             <a:fld id="{0E3A8074-ED22-4583-B570-4CE590686AF1}" type="datetimeFigureOut">
               <a:rPr lang="zh-CN" altLang="en-US" smtClean="0"/>
-              <a:t>2020/03/12</a:t>
+              <a:t>2020/03/18</a:t>
             </a:fld>
             <a:endParaRPr lang="zh-CN" altLang="en-US"/>
           </a:p>
@@ -1681,7 +1681,7 @@
           <a:p>
             <a:fld id="{0E3A8074-ED22-4583-B570-4CE590686AF1}" type="datetimeFigureOut">
               <a:rPr lang="zh-CN" altLang="en-US" smtClean="0"/>
-              <a:t>2020/03/12</a:t>
+              <a:t>2020/03/18</a:t>
             </a:fld>
             <a:endParaRPr lang="zh-CN" altLang="en-US"/>
           </a:p>
@@ -2048,7 +2048,7 @@
           <a:p>
             <a:fld id="{0E3A8074-ED22-4583-B570-4CE590686AF1}" type="datetimeFigureOut">
               <a:rPr lang="zh-CN" altLang="en-US" smtClean="0"/>
-              <a:t>2020/03/12</a:t>
+              <a:t>2020/03/18</a:t>
             </a:fld>
             <a:endParaRPr lang="zh-CN" altLang="en-US"/>
           </a:p>
@@ -2166,7 +2166,7 @@
           <a:p>
             <a:fld id="{0E3A8074-ED22-4583-B570-4CE590686AF1}" type="datetimeFigureOut">
               <a:rPr lang="zh-CN" altLang="en-US" smtClean="0"/>
-              <a:t>2020/03/12</a:t>
+              <a:t>2020/03/18</a:t>
             </a:fld>
             <a:endParaRPr lang="zh-CN" altLang="en-US"/>
           </a:p>
@@ -2261,7 +2261,7 @@
           <a:p>
             <a:fld id="{0E3A8074-ED22-4583-B570-4CE590686AF1}" type="datetimeFigureOut">
               <a:rPr lang="zh-CN" altLang="en-US" smtClean="0"/>
-              <a:t>2020/03/12</a:t>
+              <a:t>2020/03/18</a:t>
             </a:fld>
             <a:endParaRPr lang="zh-CN" altLang="en-US"/>
           </a:p>
@@ -2538,7 +2538,7 @@
           <a:p>
             <a:fld id="{0E3A8074-ED22-4583-B570-4CE590686AF1}" type="datetimeFigureOut">
               <a:rPr lang="zh-CN" altLang="en-US" smtClean="0"/>
-              <a:t>2020/03/12</a:t>
+              <a:t>2020/03/18</a:t>
             </a:fld>
             <a:endParaRPr lang="zh-CN" altLang="en-US"/>
           </a:p>
@@ -2791,7 +2791,7 @@
           <a:p>
             <a:fld id="{0E3A8074-ED22-4583-B570-4CE590686AF1}" type="datetimeFigureOut">
               <a:rPr lang="zh-CN" altLang="en-US" smtClean="0"/>
-              <a:t>2020/03/12</a:t>
+              <a:t>2020/03/18</a:t>
             </a:fld>
             <a:endParaRPr lang="zh-CN" altLang="en-US"/>
           </a:p>
@@ -3014,7 +3014,7 @@
           <a:p>
             <a:fld id="{0E3A8074-ED22-4583-B570-4CE590686AF1}" type="datetimeFigureOut">
               <a:rPr lang="zh-CN" altLang="en-US" smtClean="0"/>
-              <a:t>2020/03/12</a:t>
+              <a:t>2020/03/18</a:t>
             </a:fld>
             <a:endParaRPr lang="zh-CN" altLang="en-US"/>
           </a:p>
@@ -10268,10 +10268,6 @@
               </a:rPr>
               <a:t>值</a:t>
             </a:r>
-            <a:endParaRPr lang="zh-CN" altLang="en-US" dirty="0">
-              <a:latin typeface="微软雅黑" panose="020B0503020204020204" pitchFamily="34" charset="-122"/>
-              <a:ea typeface="微软雅黑" panose="020B0503020204020204" pitchFamily="34" charset="-122"/>
-            </a:endParaRPr>
           </a:p>
         </p:txBody>
       </p:sp>
@@ -11212,16 +11208,6 @@
               </a:rPr>
               <a:t>值</a:t>
             </a:r>
-            <a:endParaRPr lang="zh-CN" altLang="en-US" sz="1400" dirty="0">
-              <a:solidFill>
-                <a:schemeClr val="tx1">
-                  <a:lumMod val="75000"/>
-                  <a:lumOff val="25000"/>
-                </a:schemeClr>
-              </a:solidFill>
-              <a:latin typeface="微软雅黑" panose="020B0503020204020204" pitchFamily="34" charset="-122"/>
-              <a:ea typeface="微软雅黑" panose="020B0503020204020204" pitchFamily="34" charset="-122"/>
-            </a:endParaRPr>
           </a:p>
         </p:txBody>
       </p:sp>
@@ -11437,1060 +11423,10 @@
           <a:chExt cx="0" cy="0"/>
         </a:xfrm>
       </p:grpSpPr>
-      <p:sp>
-        <p:nvSpPr>
-          <p:cNvPr id="5" name="圆角矩形 4"/>
-          <p:cNvSpPr/>
-          <p:nvPr/>
-        </p:nvSpPr>
-        <p:spPr>
-          <a:xfrm>
-            <a:off x="721865" y="727969"/>
-            <a:ext cx="1411550" cy="790112"/>
-          </a:xfrm>
-          <a:prstGeom prst="roundRect">
-            <a:avLst>
-              <a:gd name="adj" fmla="val 7678"/>
-            </a:avLst>
-          </a:prstGeom>
-          <a:solidFill>
-            <a:srgbClr val="00B050"/>
-          </a:solidFill>
-          <a:ln>
-            <a:solidFill>
-              <a:srgbClr val="00B050"/>
-            </a:solidFill>
-          </a:ln>
-        </p:spPr>
-        <p:style>
-          <a:lnRef idx="2">
-            <a:schemeClr val="accent1">
-              <a:shade val="50000"/>
-            </a:schemeClr>
-          </a:lnRef>
-          <a:fillRef idx="1">
-            <a:schemeClr val="accent1"/>
-          </a:fillRef>
-          <a:effectRef idx="0">
-            <a:schemeClr val="accent1"/>
-          </a:effectRef>
-          <a:fontRef idx="minor">
-            <a:schemeClr val="lt1"/>
-          </a:fontRef>
-        </p:style>
-        <p:txBody>
-          <a:bodyPr rtlCol="0" anchor="ctr"/>
-          <a:lstStyle/>
-          <a:p>
-            <a:pPr algn="ctr"/>
-            <a:r>
-              <a:rPr lang="zh-CN" altLang="en-US" dirty="0" smtClean="0"/>
-              <a:t>领取活动</a:t>
-            </a:r>
-            <a:endParaRPr lang="en-US" altLang="zh-CN" dirty="0" smtClean="0"/>
-          </a:p>
-          <a:p>
-            <a:pPr algn="ctr"/>
-            <a:r>
-              <a:rPr lang="en-US" altLang="zh-CN" dirty="0" smtClean="0"/>
-              <a:t>(2)</a:t>
-            </a:r>
-            <a:endParaRPr lang="zh-CN" altLang="en-US" dirty="0"/>
-          </a:p>
-        </p:txBody>
-      </p:sp>
-      <p:sp>
-        <p:nvSpPr>
-          <p:cNvPr id="6" name="圆角矩形 5"/>
-          <p:cNvSpPr/>
-          <p:nvPr/>
-        </p:nvSpPr>
-        <p:spPr>
-          <a:xfrm>
-            <a:off x="721865" y="2380696"/>
-            <a:ext cx="1411550" cy="790112"/>
-          </a:xfrm>
-          <a:prstGeom prst="roundRect">
-            <a:avLst>
-              <a:gd name="adj" fmla="val 7678"/>
-            </a:avLst>
-          </a:prstGeom>
-          <a:solidFill>
-            <a:srgbClr val="00B050"/>
-          </a:solidFill>
-          <a:ln>
-            <a:solidFill>
-              <a:srgbClr val="00B050"/>
-            </a:solidFill>
-          </a:ln>
-        </p:spPr>
-        <p:style>
-          <a:lnRef idx="2">
-            <a:schemeClr val="accent1">
-              <a:shade val="50000"/>
-            </a:schemeClr>
-          </a:lnRef>
-          <a:fillRef idx="1">
-            <a:schemeClr val="accent1"/>
-          </a:fillRef>
-          <a:effectRef idx="0">
-            <a:schemeClr val="accent1"/>
-          </a:effectRef>
-          <a:fontRef idx="minor">
-            <a:schemeClr val="lt1"/>
-          </a:fontRef>
-        </p:style>
-        <p:txBody>
-          <a:bodyPr rtlCol="0" anchor="ctr"/>
-          <a:lstStyle/>
-          <a:p>
-            <a:pPr algn="ctr"/>
-            <a:r>
-              <a:rPr lang="zh-CN" altLang="en-US" dirty="0" smtClean="0"/>
-              <a:t>领取成功</a:t>
-            </a:r>
-            <a:endParaRPr lang="en-US" altLang="zh-CN" dirty="0" smtClean="0"/>
-          </a:p>
-          <a:p>
-            <a:pPr algn="ctr"/>
-            <a:r>
-              <a:rPr lang="en-US" altLang="zh-CN" dirty="0" smtClean="0"/>
-              <a:t>(a)</a:t>
-            </a:r>
-            <a:endParaRPr lang="zh-CN" altLang="en-US" dirty="0"/>
-          </a:p>
-        </p:txBody>
-      </p:sp>
-      <p:sp>
-        <p:nvSpPr>
-          <p:cNvPr id="7" name="圆角矩形 6"/>
-          <p:cNvSpPr/>
-          <p:nvPr/>
-        </p:nvSpPr>
-        <p:spPr>
-          <a:xfrm>
-            <a:off x="2601571" y="2380696"/>
-            <a:ext cx="1411550" cy="790112"/>
-          </a:xfrm>
-          <a:prstGeom prst="roundRect">
-            <a:avLst>
-              <a:gd name="adj" fmla="val 7678"/>
-            </a:avLst>
-          </a:prstGeom>
-          <a:solidFill>
-            <a:srgbClr val="C00000"/>
-          </a:solidFill>
-          <a:ln>
-            <a:solidFill>
-              <a:srgbClr val="C00000"/>
-            </a:solidFill>
-          </a:ln>
-        </p:spPr>
-        <p:style>
-          <a:lnRef idx="2">
-            <a:schemeClr val="accent1">
-              <a:shade val="50000"/>
-            </a:schemeClr>
-          </a:lnRef>
-          <a:fillRef idx="1">
-            <a:schemeClr val="accent1"/>
-          </a:fillRef>
-          <a:effectRef idx="0">
-            <a:schemeClr val="accent1"/>
-          </a:effectRef>
-          <a:fontRef idx="minor">
-            <a:schemeClr val="lt1"/>
-          </a:fontRef>
-        </p:style>
-        <p:txBody>
-          <a:bodyPr rtlCol="0" anchor="ctr"/>
-          <a:lstStyle/>
-          <a:p>
-            <a:pPr algn="ctr"/>
-            <a:r>
-              <a:rPr lang="zh-CN" altLang="en-US" dirty="0" smtClean="0"/>
-              <a:t>状态拦截</a:t>
-            </a:r>
-            <a:endParaRPr lang="en-US" altLang="zh-CN" dirty="0" smtClean="0"/>
-          </a:p>
-          <a:p>
-            <a:pPr algn="ctr"/>
-            <a:r>
-              <a:rPr lang="en-US" altLang="zh-CN" dirty="0" smtClean="0"/>
-              <a:t>(e)</a:t>
-            </a:r>
-            <a:endParaRPr lang="zh-CN" altLang="en-US" dirty="0"/>
-          </a:p>
-        </p:txBody>
-      </p:sp>
-      <p:sp>
-        <p:nvSpPr>
-          <p:cNvPr id="8" name="圆角矩形 7"/>
-          <p:cNvSpPr/>
-          <p:nvPr/>
-        </p:nvSpPr>
-        <p:spPr>
-          <a:xfrm>
-            <a:off x="6360985" y="2380696"/>
-            <a:ext cx="1411550" cy="790112"/>
-          </a:xfrm>
-          <a:prstGeom prst="roundRect">
-            <a:avLst>
-              <a:gd name="adj" fmla="val 7678"/>
-            </a:avLst>
-          </a:prstGeom>
-          <a:solidFill>
-            <a:srgbClr val="C00000"/>
-          </a:solidFill>
-          <a:ln>
-            <a:solidFill>
-              <a:srgbClr val="C00000"/>
-            </a:solidFill>
-          </a:ln>
-        </p:spPr>
-        <p:style>
-          <a:lnRef idx="2">
-            <a:schemeClr val="accent1">
-              <a:shade val="50000"/>
-            </a:schemeClr>
-          </a:lnRef>
-          <a:fillRef idx="1">
-            <a:schemeClr val="accent1"/>
-          </a:fillRef>
-          <a:effectRef idx="0">
-            <a:schemeClr val="accent1"/>
-          </a:effectRef>
-          <a:fontRef idx="minor">
-            <a:schemeClr val="lt1"/>
-          </a:fontRef>
-        </p:style>
-        <p:txBody>
-          <a:bodyPr rtlCol="0" anchor="ctr"/>
-          <a:lstStyle/>
-          <a:p>
-            <a:pPr algn="ctr"/>
-            <a:r>
-              <a:rPr lang="zh-CN" altLang="en-US" dirty="0" smtClean="0"/>
-              <a:t>总库存不足</a:t>
-            </a:r>
-            <a:r>
-              <a:rPr lang="en-US" altLang="zh-CN" dirty="0" smtClean="0"/>
-              <a:t>(g)</a:t>
-            </a:r>
-            <a:endParaRPr lang="zh-CN" altLang="en-US" dirty="0"/>
-          </a:p>
-        </p:txBody>
-      </p:sp>
-      <p:sp>
-        <p:nvSpPr>
-          <p:cNvPr id="9" name="圆角矩形 8"/>
-          <p:cNvSpPr/>
-          <p:nvPr/>
-        </p:nvSpPr>
-        <p:spPr>
-          <a:xfrm>
-            <a:off x="8240693" y="2380696"/>
-            <a:ext cx="1411550" cy="790112"/>
-          </a:xfrm>
-          <a:prstGeom prst="roundRect">
-            <a:avLst>
-              <a:gd name="adj" fmla="val 7678"/>
-            </a:avLst>
-          </a:prstGeom>
-          <a:solidFill>
-            <a:srgbClr val="C00000"/>
-          </a:solidFill>
-          <a:ln>
-            <a:solidFill>
-              <a:srgbClr val="C00000"/>
-            </a:solidFill>
-          </a:ln>
-        </p:spPr>
-        <p:style>
-          <a:lnRef idx="2">
-            <a:schemeClr val="accent1">
-              <a:shade val="50000"/>
-            </a:schemeClr>
-          </a:lnRef>
-          <a:fillRef idx="1">
-            <a:schemeClr val="accent1"/>
-          </a:fillRef>
-          <a:effectRef idx="0">
-            <a:schemeClr val="accent1"/>
-          </a:effectRef>
-          <a:fontRef idx="minor">
-            <a:schemeClr val="lt1"/>
-          </a:fontRef>
-        </p:style>
-        <p:txBody>
-          <a:bodyPr rtlCol="0" anchor="ctr"/>
-          <a:lstStyle/>
-          <a:p>
-            <a:pPr algn="ctr"/>
-            <a:r>
-              <a:rPr lang="zh-CN" altLang="en-US" dirty="0" smtClean="0"/>
-              <a:t>日库存不足</a:t>
-            </a:r>
-            <a:r>
-              <a:rPr lang="en-US" altLang="zh-CN" dirty="0" smtClean="0"/>
-              <a:t>(h)</a:t>
-            </a:r>
-            <a:endParaRPr lang="zh-CN" altLang="en-US" dirty="0"/>
-          </a:p>
-        </p:txBody>
-      </p:sp>
-      <p:sp>
-        <p:nvSpPr>
-          <p:cNvPr id="10" name="圆角矩形 9"/>
-          <p:cNvSpPr/>
-          <p:nvPr/>
-        </p:nvSpPr>
-        <p:spPr>
-          <a:xfrm>
-            <a:off x="721865" y="3846991"/>
-            <a:ext cx="1411550" cy="790112"/>
-          </a:xfrm>
-          <a:prstGeom prst="roundRect">
-            <a:avLst>
-              <a:gd name="adj" fmla="val 7678"/>
-            </a:avLst>
-          </a:prstGeom>
-          <a:solidFill>
-            <a:srgbClr val="00B050"/>
-          </a:solidFill>
-          <a:ln>
-            <a:solidFill>
-              <a:srgbClr val="00B050"/>
-            </a:solidFill>
-          </a:ln>
-        </p:spPr>
-        <p:style>
-          <a:lnRef idx="2">
-            <a:schemeClr val="accent1">
-              <a:shade val="50000"/>
-            </a:schemeClr>
-          </a:lnRef>
-          <a:fillRef idx="1">
-            <a:schemeClr val="accent1"/>
-          </a:fillRef>
-          <a:effectRef idx="0">
-            <a:schemeClr val="accent1"/>
-          </a:effectRef>
-          <a:fontRef idx="minor">
-            <a:schemeClr val="lt1"/>
-          </a:fontRef>
-        </p:style>
-        <p:txBody>
-          <a:bodyPr rtlCol="0" anchor="ctr"/>
-          <a:lstStyle/>
-          <a:p>
-            <a:pPr algn="ctr"/>
-            <a:r>
-              <a:rPr lang="zh-CN" altLang="en-US" dirty="0" smtClean="0"/>
-              <a:t>活动完成</a:t>
-            </a:r>
-            <a:endParaRPr lang="en-US" altLang="zh-CN" dirty="0" smtClean="0"/>
-          </a:p>
-          <a:p>
-            <a:pPr algn="ctr"/>
-            <a:r>
-              <a:rPr lang="en-US" altLang="zh-CN" dirty="0" smtClean="0"/>
-              <a:t>(b)</a:t>
-            </a:r>
-            <a:endParaRPr lang="zh-CN" altLang="en-US" dirty="0"/>
-          </a:p>
-        </p:txBody>
-      </p:sp>
-      <p:cxnSp>
-        <p:nvCxnSpPr>
-          <p:cNvPr id="12" name="肘形连接符 11"/>
-          <p:cNvCxnSpPr>
-            <a:stCxn id="5" idx="2"/>
-            <a:endCxn id="7" idx="0"/>
-          </p:cNvCxnSpPr>
-          <p:nvPr/>
-        </p:nvCxnSpPr>
-        <p:spPr>
-          <a:xfrm rot="16200000" flipH="1">
-            <a:off x="1936186" y="1009535"/>
-            <a:ext cx="862615" cy="1879706"/>
-          </a:xfrm>
-          <a:prstGeom prst="bentConnector3">
-            <a:avLst/>
-          </a:prstGeom>
-          <a:ln>
-            <a:tailEnd type="triangle"/>
-          </a:ln>
-        </p:spPr>
-        <p:style>
-          <a:lnRef idx="1">
-            <a:schemeClr val="accent1"/>
-          </a:lnRef>
-          <a:fillRef idx="0">
-            <a:schemeClr val="accent1"/>
-          </a:fillRef>
-          <a:effectRef idx="0">
-            <a:schemeClr val="accent1"/>
-          </a:effectRef>
-          <a:fontRef idx="minor">
-            <a:schemeClr val="tx1"/>
-          </a:fontRef>
-        </p:style>
-      </p:cxnSp>
-      <p:cxnSp>
-        <p:nvCxnSpPr>
-          <p:cNvPr id="14" name="肘形连接符 13"/>
-          <p:cNvCxnSpPr>
-            <a:stCxn id="5" idx="2"/>
-            <a:endCxn id="8" idx="0"/>
-          </p:cNvCxnSpPr>
-          <p:nvPr/>
-        </p:nvCxnSpPr>
-        <p:spPr>
-          <a:xfrm rot="16200000" flipH="1">
-            <a:off x="3815893" y="-870172"/>
-            <a:ext cx="862615" cy="5639120"/>
-          </a:xfrm>
-          <a:prstGeom prst="bentConnector3">
-            <a:avLst/>
-          </a:prstGeom>
-          <a:ln>
-            <a:tailEnd type="triangle"/>
-          </a:ln>
-        </p:spPr>
-        <p:style>
-          <a:lnRef idx="1">
-            <a:schemeClr val="accent1"/>
-          </a:lnRef>
-          <a:fillRef idx="0">
-            <a:schemeClr val="accent1"/>
-          </a:fillRef>
-          <a:effectRef idx="0">
-            <a:schemeClr val="accent1"/>
-          </a:effectRef>
-          <a:fontRef idx="minor">
-            <a:schemeClr val="tx1"/>
-          </a:fontRef>
-        </p:style>
-      </p:cxnSp>
-      <p:cxnSp>
-        <p:nvCxnSpPr>
-          <p:cNvPr id="16" name="肘形连接符 15"/>
-          <p:cNvCxnSpPr>
-            <a:stCxn id="5" idx="2"/>
-            <a:endCxn id="9" idx="0"/>
-          </p:cNvCxnSpPr>
-          <p:nvPr/>
-        </p:nvCxnSpPr>
-        <p:spPr>
-          <a:xfrm rot="16200000" flipH="1">
-            <a:off x="4755747" y="-1810026"/>
-            <a:ext cx="862615" cy="7518828"/>
-          </a:xfrm>
-          <a:prstGeom prst="bentConnector3">
-            <a:avLst/>
-          </a:prstGeom>
-          <a:ln>
-            <a:tailEnd type="triangle"/>
-          </a:ln>
-        </p:spPr>
-        <p:style>
-          <a:lnRef idx="1">
-            <a:schemeClr val="accent1"/>
-          </a:lnRef>
-          <a:fillRef idx="0">
-            <a:schemeClr val="accent1"/>
-          </a:fillRef>
-          <a:effectRef idx="0">
-            <a:schemeClr val="accent1"/>
-          </a:effectRef>
-          <a:fontRef idx="minor">
-            <a:schemeClr val="tx1"/>
-          </a:fontRef>
-        </p:style>
-      </p:cxnSp>
-      <p:cxnSp>
-        <p:nvCxnSpPr>
-          <p:cNvPr id="18" name="直接箭头连接符 17"/>
-          <p:cNvCxnSpPr>
-            <a:stCxn id="5" idx="2"/>
-            <a:endCxn id="6" idx="0"/>
-          </p:cNvCxnSpPr>
-          <p:nvPr/>
-        </p:nvCxnSpPr>
-        <p:spPr>
-          <a:xfrm>
-            <a:off x="1427640" y="1518081"/>
-            <a:ext cx="0" cy="862615"/>
-          </a:xfrm>
-          <a:prstGeom prst="straightConnector1">
-            <a:avLst/>
-          </a:prstGeom>
-          <a:ln>
-            <a:tailEnd type="triangle"/>
-          </a:ln>
-        </p:spPr>
-        <p:style>
-          <a:lnRef idx="1">
-            <a:schemeClr val="accent1"/>
-          </a:lnRef>
-          <a:fillRef idx="0">
-            <a:schemeClr val="accent1"/>
-          </a:fillRef>
-          <a:effectRef idx="0">
-            <a:schemeClr val="accent1"/>
-          </a:effectRef>
-          <a:fontRef idx="minor">
-            <a:schemeClr val="tx1"/>
-          </a:fontRef>
-        </p:style>
-      </p:cxnSp>
-      <p:sp>
-        <p:nvSpPr>
-          <p:cNvPr id="22" name="圆角矩形 21"/>
-          <p:cNvSpPr/>
-          <p:nvPr/>
-        </p:nvSpPr>
-        <p:spPr>
-          <a:xfrm>
-            <a:off x="4481277" y="2380696"/>
-            <a:ext cx="1411550" cy="790112"/>
-          </a:xfrm>
-          <a:prstGeom prst="roundRect">
-            <a:avLst>
-              <a:gd name="adj" fmla="val 7678"/>
-            </a:avLst>
-          </a:prstGeom>
-          <a:solidFill>
-            <a:srgbClr val="C00000"/>
-          </a:solidFill>
-          <a:ln>
-            <a:solidFill>
-              <a:srgbClr val="C00000"/>
-            </a:solidFill>
-          </a:ln>
-        </p:spPr>
-        <p:style>
-          <a:lnRef idx="2">
-            <a:schemeClr val="accent1">
-              <a:shade val="50000"/>
-            </a:schemeClr>
-          </a:lnRef>
-          <a:fillRef idx="1">
-            <a:schemeClr val="accent1"/>
-          </a:fillRef>
-          <a:effectRef idx="0">
-            <a:schemeClr val="accent1"/>
-          </a:effectRef>
-          <a:fontRef idx="minor">
-            <a:schemeClr val="lt1"/>
-          </a:fontRef>
-        </p:style>
-        <p:txBody>
-          <a:bodyPr rtlCol="0" anchor="ctr"/>
-          <a:lstStyle/>
-          <a:p>
-            <a:pPr algn="ctr"/>
-            <a:r>
-              <a:rPr lang="zh-CN" altLang="en-US" dirty="0"/>
-              <a:t>时间</a:t>
-            </a:r>
-            <a:r>
-              <a:rPr lang="zh-CN" altLang="en-US" dirty="0" smtClean="0"/>
-              <a:t>拦截</a:t>
-            </a:r>
-            <a:endParaRPr lang="en-US" altLang="zh-CN" dirty="0" smtClean="0"/>
-          </a:p>
-          <a:p>
-            <a:pPr algn="ctr"/>
-            <a:r>
-              <a:rPr lang="en-US" altLang="zh-CN" dirty="0" smtClean="0"/>
-              <a:t>(f)</a:t>
-            </a:r>
-            <a:endParaRPr lang="zh-CN" altLang="en-US" dirty="0"/>
-          </a:p>
-        </p:txBody>
-      </p:sp>
-      <p:cxnSp>
-        <p:nvCxnSpPr>
-          <p:cNvPr id="24" name="肘形连接符 23"/>
-          <p:cNvCxnSpPr>
-            <a:stCxn id="5" idx="2"/>
-            <a:endCxn id="22" idx="0"/>
-          </p:cNvCxnSpPr>
-          <p:nvPr/>
-        </p:nvCxnSpPr>
-        <p:spPr>
-          <a:xfrm rot="16200000" flipH="1">
-            <a:off x="2876039" y="69682"/>
-            <a:ext cx="862615" cy="3759412"/>
-          </a:xfrm>
-          <a:prstGeom prst="bentConnector3">
-            <a:avLst/>
-          </a:prstGeom>
-          <a:ln>
-            <a:tailEnd type="triangle"/>
-          </a:ln>
-        </p:spPr>
-        <p:style>
-          <a:lnRef idx="1">
-            <a:schemeClr val="accent1"/>
-          </a:lnRef>
-          <a:fillRef idx="0">
-            <a:schemeClr val="accent1"/>
-          </a:fillRef>
-          <a:effectRef idx="0">
-            <a:schemeClr val="accent1"/>
-          </a:effectRef>
-          <a:fontRef idx="minor">
-            <a:schemeClr val="tx1"/>
-          </a:fontRef>
-        </p:style>
-      </p:cxnSp>
-      <p:sp>
-        <p:nvSpPr>
-          <p:cNvPr id="29" name="圆角矩形 28"/>
-          <p:cNvSpPr/>
-          <p:nvPr/>
-        </p:nvSpPr>
-        <p:spPr>
-          <a:xfrm>
-            <a:off x="2601570" y="3846991"/>
-            <a:ext cx="1411550" cy="790112"/>
-          </a:xfrm>
-          <a:prstGeom prst="roundRect">
-            <a:avLst>
-              <a:gd name="adj" fmla="val 7678"/>
-            </a:avLst>
-          </a:prstGeom>
-          <a:solidFill>
-            <a:srgbClr val="FFC000"/>
-          </a:solidFill>
-          <a:ln>
-            <a:solidFill>
-              <a:srgbClr val="FFC000"/>
-            </a:solidFill>
-          </a:ln>
-        </p:spPr>
-        <p:style>
-          <a:lnRef idx="2">
-            <a:schemeClr val="accent1">
-              <a:shade val="50000"/>
-            </a:schemeClr>
-          </a:lnRef>
-          <a:fillRef idx="1">
-            <a:schemeClr val="accent1"/>
-          </a:fillRef>
-          <a:effectRef idx="0">
-            <a:schemeClr val="accent1"/>
-          </a:effectRef>
-          <a:fontRef idx="minor">
-            <a:schemeClr val="lt1"/>
-          </a:fontRef>
-        </p:style>
-        <p:txBody>
-          <a:bodyPr rtlCol="0" anchor="ctr"/>
-          <a:lstStyle/>
-          <a:p>
-            <a:pPr algn="ctr"/>
-            <a:r>
-              <a:rPr lang="zh-CN" altLang="en-US" dirty="0" smtClean="0"/>
-              <a:t>超时关单</a:t>
-            </a:r>
-            <a:endParaRPr lang="en-US" altLang="zh-CN" dirty="0" smtClean="0"/>
-          </a:p>
-          <a:p>
-            <a:pPr algn="ctr"/>
-            <a:r>
-              <a:rPr lang="en-US" altLang="zh-CN" dirty="0" smtClean="0"/>
-              <a:t>(d)</a:t>
-            </a:r>
-            <a:endParaRPr lang="zh-CN" altLang="en-US" dirty="0"/>
-          </a:p>
-        </p:txBody>
-      </p:sp>
-      <p:cxnSp>
-        <p:nvCxnSpPr>
-          <p:cNvPr id="56" name="直接箭头连接符 55"/>
-          <p:cNvCxnSpPr>
-            <a:stCxn id="6" idx="2"/>
-            <a:endCxn id="10" idx="0"/>
-          </p:cNvCxnSpPr>
-          <p:nvPr/>
-        </p:nvCxnSpPr>
-        <p:spPr>
-          <a:xfrm>
-            <a:off x="1427640" y="3170808"/>
-            <a:ext cx="0" cy="676183"/>
-          </a:xfrm>
-          <a:prstGeom prst="straightConnector1">
-            <a:avLst/>
-          </a:prstGeom>
-          <a:ln>
-            <a:tailEnd type="triangle"/>
-          </a:ln>
-        </p:spPr>
-        <p:style>
-          <a:lnRef idx="1">
-            <a:schemeClr val="accent1"/>
-          </a:lnRef>
-          <a:fillRef idx="0">
-            <a:schemeClr val="accent1"/>
-          </a:fillRef>
-          <a:effectRef idx="0">
-            <a:schemeClr val="accent1"/>
-          </a:effectRef>
-          <a:fontRef idx="minor">
-            <a:schemeClr val="tx1"/>
-          </a:fontRef>
-        </p:style>
-      </p:cxnSp>
-      <p:cxnSp>
-        <p:nvCxnSpPr>
-          <p:cNvPr id="74" name="肘形连接符 73"/>
-          <p:cNvCxnSpPr>
-            <a:stCxn id="6" idx="2"/>
-            <a:endCxn id="29" idx="0"/>
-          </p:cNvCxnSpPr>
-          <p:nvPr/>
-        </p:nvCxnSpPr>
-        <p:spPr>
-          <a:xfrm rot="16200000" flipH="1">
-            <a:off x="2029401" y="2569046"/>
-            <a:ext cx="676183" cy="1879705"/>
-          </a:xfrm>
-          <a:prstGeom prst="bentConnector3">
-            <a:avLst/>
-          </a:prstGeom>
-          <a:ln>
-            <a:tailEnd type="triangle"/>
-          </a:ln>
-        </p:spPr>
-        <p:style>
-          <a:lnRef idx="1">
-            <a:schemeClr val="accent1"/>
-          </a:lnRef>
-          <a:fillRef idx="0">
-            <a:schemeClr val="accent1"/>
-          </a:fillRef>
-          <a:effectRef idx="0">
-            <a:schemeClr val="accent1"/>
-          </a:effectRef>
-          <a:fontRef idx="minor">
-            <a:schemeClr val="tx1"/>
-          </a:fontRef>
-        </p:style>
-      </p:cxnSp>
-      <p:sp>
-        <p:nvSpPr>
-          <p:cNvPr id="80" name="圆角矩形 79"/>
-          <p:cNvSpPr/>
-          <p:nvPr/>
-        </p:nvSpPr>
-        <p:spPr>
-          <a:xfrm>
-            <a:off x="721864" y="5313286"/>
-            <a:ext cx="1411550" cy="790112"/>
-          </a:xfrm>
-          <a:prstGeom prst="roundRect">
-            <a:avLst>
-              <a:gd name="adj" fmla="val 7678"/>
-            </a:avLst>
-          </a:prstGeom>
-          <a:solidFill>
-            <a:srgbClr val="00B050"/>
-          </a:solidFill>
-          <a:ln>
-            <a:solidFill>
-              <a:srgbClr val="00B050"/>
-            </a:solidFill>
-          </a:ln>
-        </p:spPr>
-        <p:style>
-          <a:lnRef idx="2">
-            <a:schemeClr val="accent1">
-              <a:shade val="50000"/>
-            </a:schemeClr>
-          </a:lnRef>
-          <a:fillRef idx="1">
-            <a:schemeClr val="accent1"/>
-          </a:fillRef>
-          <a:effectRef idx="0">
-            <a:schemeClr val="accent1"/>
-          </a:effectRef>
-          <a:fontRef idx="minor">
-            <a:schemeClr val="lt1"/>
-          </a:fontRef>
-        </p:style>
-        <p:txBody>
-          <a:bodyPr rtlCol="0" anchor="ctr"/>
-          <a:lstStyle/>
-          <a:p>
-            <a:pPr algn="ctr"/>
-            <a:r>
-              <a:rPr lang="zh-CN" altLang="en-US" dirty="0" smtClean="0"/>
-              <a:t>奖励发放</a:t>
-            </a:r>
-            <a:endParaRPr lang="en-US" altLang="zh-CN" dirty="0" smtClean="0"/>
-          </a:p>
-          <a:p>
-            <a:pPr algn="ctr"/>
-            <a:r>
-              <a:rPr lang="en-US" altLang="zh-CN" dirty="0" smtClean="0"/>
-              <a:t>(c)</a:t>
-            </a:r>
-            <a:endParaRPr lang="zh-CN" altLang="en-US" dirty="0"/>
-          </a:p>
-        </p:txBody>
-      </p:sp>
-      <p:cxnSp>
-        <p:nvCxnSpPr>
-          <p:cNvPr id="82" name="肘形连接符 81"/>
-          <p:cNvCxnSpPr>
-            <a:stCxn id="10" idx="2"/>
-            <a:endCxn id="80" idx="0"/>
-          </p:cNvCxnSpPr>
-          <p:nvPr/>
-        </p:nvCxnSpPr>
-        <p:spPr>
-          <a:xfrm rot="5400000">
-            <a:off x="1089549" y="4975194"/>
-            <a:ext cx="676183" cy="1"/>
-          </a:xfrm>
-          <a:prstGeom prst="bentConnector3">
-            <a:avLst/>
-          </a:prstGeom>
-          <a:ln>
-            <a:tailEnd type="triangle"/>
-          </a:ln>
-        </p:spPr>
-        <p:style>
-          <a:lnRef idx="1">
-            <a:schemeClr val="accent1"/>
-          </a:lnRef>
-          <a:fillRef idx="0">
-            <a:schemeClr val="accent1"/>
-          </a:fillRef>
-          <a:effectRef idx="0">
-            <a:schemeClr val="accent1"/>
-          </a:effectRef>
-          <a:fontRef idx="minor">
-            <a:schemeClr val="tx1"/>
-          </a:fontRef>
-        </p:style>
-      </p:cxnSp>
-      <p:sp>
-        <p:nvSpPr>
-          <p:cNvPr id="93" name="圆角矩形 92"/>
-          <p:cNvSpPr/>
-          <p:nvPr/>
-        </p:nvSpPr>
-        <p:spPr>
-          <a:xfrm>
-            <a:off x="10120401" y="2380696"/>
-            <a:ext cx="1411550" cy="790112"/>
-          </a:xfrm>
-          <a:prstGeom prst="roundRect">
-            <a:avLst>
-              <a:gd name="adj" fmla="val 7678"/>
-            </a:avLst>
-          </a:prstGeom>
-          <a:solidFill>
-            <a:srgbClr val="C00000"/>
-          </a:solidFill>
-          <a:ln>
-            <a:solidFill>
-              <a:srgbClr val="C00000"/>
-            </a:solidFill>
-          </a:ln>
-        </p:spPr>
-        <p:style>
-          <a:lnRef idx="2">
-            <a:schemeClr val="accent1">
-              <a:shade val="50000"/>
-            </a:schemeClr>
-          </a:lnRef>
-          <a:fillRef idx="1">
-            <a:schemeClr val="accent1"/>
-          </a:fillRef>
-          <a:effectRef idx="0">
-            <a:schemeClr val="accent1"/>
-          </a:effectRef>
-          <a:fontRef idx="minor">
-            <a:schemeClr val="lt1"/>
-          </a:fontRef>
-        </p:style>
-        <p:txBody>
-          <a:bodyPr rtlCol="0" anchor="ctr"/>
-          <a:lstStyle/>
-          <a:p>
-            <a:pPr algn="ctr"/>
-            <a:r>
-              <a:rPr lang="zh-CN" altLang="en-US" dirty="0" smtClean="0"/>
-              <a:t>异常失败</a:t>
-            </a:r>
-            <a:endParaRPr lang="en-US" altLang="zh-CN" dirty="0" smtClean="0"/>
-          </a:p>
-          <a:p>
-            <a:pPr algn="ctr"/>
-            <a:r>
-              <a:rPr lang="zh-CN" altLang="en-US" dirty="0" smtClean="0"/>
-              <a:t> </a:t>
-            </a:r>
-            <a:r>
-              <a:rPr lang="en-US" altLang="zh-CN" dirty="0" smtClean="0"/>
-              <a:t>(</a:t>
-            </a:r>
-            <a:r>
-              <a:rPr lang="en-US" altLang="zh-CN" dirty="0" err="1" smtClean="0"/>
-              <a:t>i</a:t>
-            </a:r>
-            <a:r>
-              <a:rPr lang="en-US" altLang="zh-CN" dirty="0" smtClean="0"/>
-              <a:t>)</a:t>
-            </a:r>
-            <a:endParaRPr lang="zh-CN" altLang="en-US" dirty="0"/>
-          </a:p>
-        </p:txBody>
-      </p:sp>
-      <p:cxnSp>
-        <p:nvCxnSpPr>
-          <p:cNvPr id="95" name="肘形连接符 94"/>
-          <p:cNvCxnSpPr>
-            <a:stCxn id="5" idx="2"/>
-            <a:endCxn id="93" idx="0"/>
-          </p:cNvCxnSpPr>
-          <p:nvPr/>
-        </p:nvCxnSpPr>
-        <p:spPr>
-          <a:xfrm rot="16200000" flipH="1">
-            <a:off x="5695601" y="-2749880"/>
-            <a:ext cx="862615" cy="9398536"/>
-          </a:xfrm>
-          <a:prstGeom prst="bentConnector3">
-            <a:avLst/>
-          </a:prstGeom>
-          <a:ln>
-            <a:tailEnd type="triangle"/>
-          </a:ln>
-        </p:spPr>
-        <p:style>
-          <a:lnRef idx="1">
-            <a:schemeClr val="accent1"/>
-          </a:lnRef>
-          <a:fillRef idx="0">
-            <a:schemeClr val="accent1"/>
-          </a:fillRef>
-          <a:effectRef idx="0">
-            <a:schemeClr val="accent1"/>
-          </a:effectRef>
-          <a:fontRef idx="minor">
-            <a:schemeClr val="tx1"/>
-          </a:fontRef>
-        </p:style>
-      </p:cxnSp>
-      <p:sp>
-        <p:nvSpPr>
-          <p:cNvPr id="96" name="圆角矩形 95"/>
-          <p:cNvSpPr/>
-          <p:nvPr/>
-        </p:nvSpPr>
-        <p:spPr>
-          <a:xfrm>
-            <a:off x="2601570" y="5313286"/>
-            <a:ext cx="1411550" cy="790112"/>
-          </a:xfrm>
-          <a:prstGeom prst="roundRect">
-            <a:avLst>
-              <a:gd name="adj" fmla="val 7678"/>
-            </a:avLst>
-          </a:prstGeom>
-          <a:solidFill>
-            <a:srgbClr val="C00000"/>
-          </a:solidFill>
-          <a:ln>
-            <a:solidFill>
-              <a:srgbClr val="C00000"/>
-            </a:solidFill>
-          </a:ln>
-        </p:spPr>
-        <p:style>
-          <a:lnRef idx="2">
-            <a:schemeClr val="accent1">
-              <a:shade val="50000"/>
-            </a:schemeClr>
-          </a:lnRef>
-          <a:fillRef idx="1">
-            <a:schemeClr val="accent1"/>
-          </a:fillRef>
-          <a:effectRef idx="0">
-            <a:schemeClr val="accent1"/>
-          </a:effectRef>
-          <a:fontRef idx="minor">
-            <a:schemeClr val="lt1"/>
-          </a:fontRef>
-        </p:style>
-        <p:txBody>
-          <a:bodyPr rtlCol="0" anchor="ctr"/>
-          <a:lstStyle/>
-          <a:p>
-            <a:pPr algn="ctr"/>
-            <a:r>
-              <a:rPr lang="zh-CN" altLang="en-US" dirty="0" smtClean="0"/>
-              <a:t>奖励失败</a:t>
-            </a:r>
-            <a:endParaRPr lang="en-US" altLang="zh-CN" dirty="0" smtClean="0"/>
-          </a:p>
-          <a:p>
-            <a:pPr algn="ctr"/>
-            <a:r>
-              <a:rPr lang="en-US" altLang="zh-CN" dirty="0" smtClean="0"/>
-              <a:t>(l)</a:t>
-            </a:r>
-            <a:endParaRPr lang="zh-CN" altLang="en-US" dirty="0"/>
-          </a:p>
-        </p:txBody>
-      </p:sp>
-      <p:cxnSp>
-        <p:nvCxnSpPr>
-          <p:cNvPr id="98" name="肘形连接符 97"/>
-          <p:cNvCxnSpPr>
-            <a:stCxn id="10" idx="2"/>
-            <a:endCxn id="96" idx="0"/>
-          </p:cNvCxnSpPr>
-          <p:nvPr/>
-        </p:nvCxnSpPr>
-        <p:spPr>
-          <a:xfrm rot="16200000" flipH="1">
-            <a:off x="2029401" y="4035341"/>
-            <a:ext cx="676183" cy="1879705"/>
-          </a:xfrm>
-          <a:prstGeom prst="bentConnector3">
-            <a:avLst/>
-          </a:prstGeom>
-          <a:ln>
-            <a:tailEnd type="triangle"/>
-          </a:ln>
-        </p:spPr>
-        <p:style>
-          <a:lnRef idx="1">
-            <a:schemeClr val="accent1"/>
-          </a:lnRef>
-          <a:fillRef idx="0">
-            <a:schemeClr val="accent1"/>
-          </a:fillRef>
-          <a:effectRef idx="0">
-            <a:schemeClr val="accent1"/>
-          </a:effectRef>
-          <a:fontRef idx="minor">
-            <a:schemeClr val="tx1"/>
-          </a:fontRef>
-        </p:style>
-      </p:cxnSp>
     </p:spTree>
     <p:extLst>
       <p:ext uri="{BB962C8B-B14F-4D97-AF65-F5344CB8AC3E}">
-        <p14:creationId xmlns:p14="http://schemas.microsoft.com/office/powerpoint/2010/main" val="4094270368"/>
+        <p14:creationId xmlns:p14="http://schemas.microsoft.com/office/powerpoint/2010/main" val="1485795614"/>
       </p:ext>
     </p:extLst>
   </p:cSld>

--- a/docs/assets/resources/图稿.pptx
+++ b/docs/assets/resources/图稿.pptx
@@ -11403,6 +11403,13 @@
   <p:clrMapOvr>
     <a:masterClrMapping/>
   </p:clrMapOvr>
+  <p:timing>
+    <p:tnLst>
+      <p:par>
+        <p:cTn id="1" dur="indefinite" restart="never" nodeType="tmRoot"/>
+      </p:par>
+    </p:tnLst>
+  </p:timing>
 </p:sld>
 </file>
 
@@ -11423,6 +11430,1148 @@
           <a:chExt cx="0" cy="0"/>
         </a:xfrm>
       </p:grpSpPr>
+      <p:sp>
+        <p:nvSpPr>
+          <p:cNvPr id="2" name="圆角矩形 1"/>
+          <p:cNvSpPr/>
+          <p:nvPr/>
+        </p:nvSpPr>
+        <p:spPr>
+          <a:xfrm>
+            <a:off x="4097784" y="1837679"/>
+            <a:ext cx="603682" cy="479394"/>
+          </a:xfrm>
+          <a:prstGeom prst="roundRect">
+            <a:avLst/>
+          </a:prstGeom>
+          <a:solidFill>
+            <a:srgbClr val="00B050"/>
+          </a:solidFill>
+          <a:ln>
+            <a:solidFill>
+              <a:srgbClr val="00B050"/>
+            </a:solidFill>
+          </a:ln>
+        </p:spPr>
+        <p:style>
+          <a:lnRef idx="2">
+            <a:schemeClr val="accent1">
+              <a:shade val="50000"/>
+            </a:schemeClr>
+          </a:lnRef>
+          <a:fillRef idx="1">
+            <a:schemeClr val="accent1"/>
+          </a:fillRef>
+          <a:effectRef idx="0">
+            <a:schemeClr val="accent1"/>
+          </a:effectRef>
+          <a:fontRef idx="minor">
+            <a:schemeClr val="lt1"/>
+          </a:fontRef>
+        </p:style>
+        <p:txBody>
+          <a:bodyPr rtlCol="0" anchor="ctr"/>
+          <a:lstStyle/>
+          <a:p>
+            <a:pPr algn="ctr"/>
+            <a:r>
+              <a:rPr lang="en-US" altLang="zh-CN" dirty="0" smtClean="0">
+                <a:latin typeface="微软雅黑" panose="020B0503020204020204" pitchFamily="34" charset="-122"/>
+                <a:ea typeface="微软雅黑" panose="020B0503020204020204" pitchFamily="34" charset="-122"/>
+              </a:rPr>
+              <a:t>a</a:t>
+            </a:r>
+            <a:endParaRPr lang="zh-CN" altLang="en-US" dirty="0">
+              <a:latin typeface="微软雅黑" panose="020B0503020204020204" pitchFamily="34" charset="-122"/>
+              <a:ea typeface="微软雅黑" panose="020B0503020204020204" pitchFamily="34" charset="-122"/>
+            </a:endParaRPr>
+          </a:p>
+        </p:txBody>
+      </p:sp>
+      <p:sp>
+        <p:nvSpPr>
+          <p:cNvPr id="3" name="圆角矩形 2"/>
+          <p:cNvSpPr/>
+          <p:nvPr/>
+        </p:nvSpPr>
+        <p:spPr>
+          <a:xfrm>
+            <a:off x="5088384" y="1837679"/>
+            <a:ext cx="603682" cy="479394"/>
+          </a:xfrm>
+          <a:prstGeom prst="roundRect">
+            <a:avLst/>
+          </a:prstGeom>
+          <a:solidFill>
+            <a:srgbClr val="00B050"/>
+          </a:solidFill>
+          <a:ln>
+            <a:solidFill>
+              <a:srgbClr val="00B050"/>
+            </a:solidFill>
+          </a:ln>
+        </p:spPr>
+        <p:style>
+          <a:lnRef idx="2">
+            <a:schemeClr val="accent1">
+              <a:shade val="50000"/>
+            </a:schemeClr>
+          </a:lnRef>
+          <a:fillRef idx="1">
+            <a:schemeClr val="accent1"/>
+          </a:fillRef>
+          <a:effectRef idx="0">
+            <a:schemeClr val="accent1"/>
+          </a:effectRef>
+          <a:fontRef idx="minor">
+            <a:schemeClr val="lt1"/>
+          </a:fontRef>
+        </p:style>
+        <p:txBody>
+          <a:bodyPr rtlCol="0" anchor="ctr"/>
+          <a:lstStyle/>
+          <a:p>
+            <a:pPr algn="ctr"/>
+            <a:r>
+              <a:rPr lang="en-US" altLang="zh-CN" dirty="0" smtClean="0">
+                <a:latin typeface="微软雅黑" panose="020B0503020204020204" pitchFamily="34" charset="-122"/>
+                <a:ea typeface="微软雅黑" panose="020B0503020204020204" pitchFamily="34" charset="-122"/>
+              </a:rPr>
+              <a:t>b</a:t>
+            </a:r>
+            <a:endParaRPr lang="zh-CN" altLang="en-US" dirty="0">
+              <a:latin typeface="微软雅黑" panose="020B0503020204020204" pitchFamily="34" charset="-122"/>
+              <a:ea typeface="微软雅黑" panose="020B0503020204020204" pitchFamily="34" charset="-122"/>
+            </a:endParaRPr>
+          </a:p>
+        </p:txBody>
+      </p:sp>
+      <p:sp>
+        <p:nvSpPr>
+          <p:cNvPr id="4" name="圆角矩形 3"/>
+          <p:cNvSpPr/>
+          <p:nvPr/>
+        </p:nvSpPr>
+        <p:spPr>
+          <a:xfrm>
+            <a:off x="6078984" y="1837679"/>
+            <a:ext cx="603682" cy="479394"/>
+          </a:xfrm>
+          <a:prstGeom prst="roundRect">
+            <a:avLst/>
+          </a:prstGeom>
+          <a:solidFill>
+            <a:srgbClr val="C00000"/>
+          </a:solidFill>
+          <a:ln>
+            <a:solidFill>
+              <a:srgbClr val="C00000"/>
+            </a:solidFill>
+          </a:ln>
+        </p:spPr>
+        <p:style>
+          <a:lnRef idx="2">
+            <a:schemeClr val="accent1">
+              <a:shade val="50000"/>
+            </a:schemeClr>
+          </a:lnRef>
+          <a:fillRef idx="1">
+            <a:schemeClr val="accent1"/>
+          </a:fillRef>
+          <a:effectRef idx="0">
+            <a:schemeClr val="accent1"/>
+          </a:effectRef>
+          <a:fontRef idx="minor">
+            <a:schemeClr val="lt1"/>
+          </a:fontRef>
+        </p:style>
+        <p:txBody>
+          <a:bodyPr rtlCol="0" anchor="ctr"/>
+          <a:lstStyle/>
+          <a:p>
+            <a:pPr algn="ctr"/>
+            <a:r>
+              <a:rPr lang="en-US" altLang="zh-CN" dirty="0">
+                <a:latin typeface="微软雅黑" panose="020B0503020204020204" pitchFamily="34" charset="-122"/>
+                <a:ea typeface="微软雅黑" panose="020B0503020204020204" pitchFamily="34" charset="-122"/>
+              </a:rPr>
+              <a:t>a</a:t>
+            </a:r>
+            <a:endParaRPr lang="zh-CN" altLang="en-US" dirty="0">
+              <a:latin typeface="微软雅黑" panose="020B0503020204020204" pitchFamily="34" charset="-122"/>
+              <a:ea typeface="微软雅黑" panose="020B0503020204020204" pitchFamily="34" charset="-122"/>
+            </a:endParaRPr>
+          </a:p>
+        </p:txBody>
+      </p:sp>
+      <p:sp>
+        <p:nvSpPr>
+          <p:cNvPr id="5" name="圆角矩形 4"/>
+          <p:cNvSpPr/>
+          <p:nvPr/>
+        </p:nvSpPr>
+        <p:spPr>
+          <a:xfrm>
+            <a:off x="7069584" y="1837679"/>
+            <a:ext cx="603682" cy="479394"/>
+          </a:xfrm>
+          <a:prstGeom prst="roundRect">
+            <a:avLst/>
+          </a:prstGeom>
+          <a:solidFill>
+            <a:srgbClr val="00B050"/>
+          </a:solidFill>
+          <a:ln>
+            <a:solidFill>
+              <a:srgbClr val="00B050"/>
+            </a:solidFill>
+          </a:ln>
+        </p:spPr>
+        <p:style>
+          <a:lnRef idx="2">
+            <a:schemeClr val="accent1">
+              <a:shade val="50000"/>
+            </a:schemeClr>
+          </a:lnRef>
+          <a:fillRef idx="1">
+            <a:schemeClr val="accent1"/>
+          </a:fillRef>
+          <a:effectRef idx="0">
+            <a:schemeClr val="accent1"/>
+          </a:effectRef>
+          <a:fontRef idx="minor">
+            <a:schemeClr val="lt1"/>
+          </a:fontRef>
+        </p:style>
+        <p:txBody>
+          <a:bodyPr rtlCol="0" anchor="ctr"/>
+          <a:lstStyle/>
+          <a:p>
+            <a:pPr algn="ctr"/>
+            <a:r>
+              <a:rPr lang="en-US" altLang="zh-CN" dirty="0" smtClean="0">
+                <a:latin typeface="微软雅黑" panose="020B0503020204020204" pitchFamily="34" charset="-122"/>
+                <a:ea typeface="微软雅黑" panose="020B0503020204020204" pitchFamily="34" charset="-122"/>
+              </a:rPr>
+              <a:t>b</a:t>
+            </a:r>
+            <a:endParaRPr lang="zh-CN" altLang="en-US" dirty="0">
+              <a:latin typeface="微软雅黑" panose="020B0503020204020204" pitchFamily="34" charset="-122"/>
+              <a:ea typeface="微软雅黑" panose="020B0503020204020204" pitchFamily="34" charset="-122"/>
+            </a:endParaRPr>
+          </a:p>
+        </p:txBody>
+      </p:sp>
+      <p:sp>
+        <p:nvSpPr>
+          <p:cNvPr id="6" name="圆角矩形 5"/>
+          <p:cNvSpPr/>
+          <p:nvPr/>
+        </p:nvSpPr>
+        <p:spPr>
+          <a:xfrm>
+            <a:off x="8060184" y="1837679"/>
+            <a:ext cx="603682" cy="479394"/>
+          </a:xfrm>
+          <a:prstGeom prst="roundRect">
+            <a:avLst/>
+          </a:prstGeom>
+          <a:solidFill>
+            <a:srgbClr val="00B050"/>
+          </a:solidFill>
+          <a:ln>
+            <a:solidFill>
+              <a:srgbClr val="00B050"/>
+            </a:solidFill>
+          </a:ln>
+        </p:spPr>
+        <p:style>
+          <a:lnRef idx="2">
+            <a:schemeClr val="accent1">
+              <a:shade val="50000"/>
+            </a:schemeClr>
+          </a:lnRef>
+          <a:fillRef idx="1">
+            <a:schemeClr val="accent1"/>
+          </a:fillRef>
+          <a:effectRef idx="0">
+            <a:schemeClr val="accent1"/>
+          </a:effectRef>
+          <a:fontRef idx="minor">
+            <a:schemeClr val="lt1"/>
+          </a:fontRef>
+        </p:style>
+        <p:txBody>
+          <a:bodyPr rtlCol="0" anchor="ctr"/>
+          <a:lstStyle/>
+          <a:p>
+            <a:pPr algn="ctr"/>
+            <a:r>
+              <a:rPr lang="en-US" altLang="zh-CN" dirty="0" smtClean="0">
+                <a:latin typeface="微软雅黑" panose="020B0503020204020204" pitchFamily="34" charset="-122"/>
+                <a:ea typeface="微软雅黑" panose="020B0503020204020204" pitchFamily="34" charset="-122"/>
+              </a:rPr>
+              <a:t>c</a:t>
+            </a:r>
+            <a:endParaRPr lang="zh-CN" altLang="en-US" dirty="0">
+              <a:latin typeface="微软雅黑" panose="020B0503020204020204" pitchFamily="34" charset="-122"/>
+              <a:ea typeface="微软雅黑" panose="020B0503020204020204" pitchFamily="34" charset="-122"/>
+            </a:endParaRPr>
+          </a:p>
+        </p:txBody>
+      </p:sp>
+      <p:sp>
+        <p:nvSpPr>
+          <p:cNvPr id="7" name="圆角矩形 6"/>
+          <p:cNvSpPr/>
+          <p:nvPr/>
+        </p:nvSpPr>
+        <p:spPr>
+          <a:xfrm>
+            <a:off x="9050784" y="1837679"/>
+            <a:ext cx="603682" cy="479394"/>
+          </a:xfrm>
+          <a:prstGeom prst="roundRect">
+            <a:avLst/>
+          </a:prstGeom>
+          <a:solidFill>
+            <a:srgbClr val="00B050"/>
+          </a:solidFill>
+          <a:ln>
+            <a:solidFill>
+              <a:srgbClr val="00B050"/>
+            </a:solidFill>
+          </a:ln>
+        </p:spPr>
+        <p:style>
+          <a:lnRef idx="2">
+            <a:schemeClr val="accent1">
+              <a:shade val="50000"/>
+            </a:schemeClr>
+          </a:lnRef>
+          <a:fillRef idx="1">
+            <a:schemeClr val="accent1"/>
+          </a:fillRef>
+          <a:effectRef idx="0">
+            <a:schemeClr val="accent1"/>
+          </a:effectRef>
+          <a:fontRef idx="minor">
+            <a:schemeClr val="lt1"/>
+          </a:fontRef>
+        </p:style>
+        <p:txBody>
+          <a:bodyPr rtlCol="0" anchor="ctr"/>
+          <a:lstStyle/>
+          <a:p>
+            <a:pPr algn="ctr"/>
+            <a:r>
+              <a:rPr lang="en-US" altLang="zh-CN" dirty="0" smtClean="0">
+                <a:latin typeface="微软雅黑" panose="020B0503020204020204" pitchFamily="34" charset="-122"/>
+                <a:ea typeface="微软雅黑" panose="020B0503020204020204" pitchFamily="34" charset="-122"/>
+              </a:rPr>
+              <a:t>b</a:t>
+            </a:r>
+            <a:endParaRPr lang="zh-CN" altLang="en-US" dirty="0">
+              <a:latin typeface="微软雅黑" panose="020B0503020204020204" pitchFamily="34" charset="-122"/>
+              <a:ea typeface="微软雅黑" panose="020B0503020204020204" pitchFamily="34" charset="-122"/>
+            </a:endParaRPr>
+          </a:p>
+        </p:txBody>
+      </p:sp>
+      <p:sp>
+        <p:nvSpPr>
+          <p:cNvPr id="8" name="圆角矩形 7"/>
+          <p:cNvSpPr/>
+          <p:nvPr/>
+        </p:nvSpPr>
+        <p:spPr>
+          <a:xfrm>
+            <a:off x="10041384" y="1837679"/>
+            <a:ext cx="603682" cy="479394"/>
+          </a:xfrm>
+          <a:prstGeom prst="roundRect">
+            <a:avLst/>
+          </a:prstGeom>
+          <a:solidFill>
+            <a:srgbClr val="00B050"/>
+          </a:solidFill>
+          <a:ln>
+            <a:solidFill>
+              <a:srgbClr val="00B050"/>
+            </a:solidFill>
+          </a:ln>
+        </p:spPr>
+        <p:style>
+          <a:lnRef idx="2">
+            <a:schemeClr val="accent1">
+              <a:shade val="50000"/>
+            </a:schemeClr>
+          </a:lnRef>
+          <a:fillRef idx="1">
+            <a:schemeClr val="accent1"/>
+          </a:fillRef>
+          <a:effectRef idx="0">
+            <a:schemeClr val="accent1"/>
+          </a:effectRef>
+          <a:fontRef idx="minor">
+            <a:schemeClr val="lt1"/>
+          </a:fontRef>
+        </p:style>
+        <p:txBody>
+          <a:bodyPr rtlCol="0" anchor="ctr"/>
+          <a:lstStyle/>
+          <a:p>
+            <a:pPr algn="ctr"/>
+            <a:r>
+              <a:rPr lang="en-US" altLang="zh-CN" dirty="0" smtClean="0">
+                <a:latin typeface="微软雅黑" panose="020B0503020204020204" pitchFamily="34" charset="-122"/>
+                <a:ea typeface="微软雅黑" panose="020B0503020204020204" pitchFamily="34" charset="-122"/>
+              </a:rPr>
+              <a:t>b</a:t>
+            </a:r>
+            <a:endParaRPr lang="zh-CN" altLang="en-US" dirty="0">
+              <a:latin typeface="微软雅黑" panose="020B0503020204020204" pitchFamily="34" charset="-122"/>
+              <a:ea typeface="微软雅黑" panose="020B0503020204020204" pitchFamily="34" charset="-122"/>
+            </a:endParaRPr>
+          </a:p>
+        </p:txBody>
+      </p:sp>
+      <p:sp>
+        <p:nvSpPr>
+          <p:cNvPr id="9" name="下箭头 8"/>
+          <p:cNvSpPr/>
+          <p:nvPr/>
+        </p:nvSpPr>
+        <p:spPr>
+          <a:xfrm rot="10800000">
+            <a:off x="4288654" y="2467993"/>
+            <a:ext cx="221942" cy="541538"/>
+          </a:xfrm>
+          <a:prstGeom prst="downArrow">
+            <a:avLst/>
+          </a:prstGeom>
+          <a:solidFill>
+            <a:srgbClr val="C00000"/>
+          </a:solidFill>
+          <a:ln>
+            <a:solidFill>
+              <a:srgbClr val="C00000"/>
+            </a:solidFill>
+          </a:ln>
+        </p:spPr>
+        <p:style>
+          <a:lnRef idx="2">
+            <a:schemeClr val="accent1">
+              <a:shade val="50000"/>
+            </a:schemeClr>
+          </a:lnRef>
+          <a:fillRef idx="1">
+            <a:schemeClr val="accent1"/>
+          </a:fillRef>
+          <a:effectRef idx="0">
+            <a:schemeClr val="accent1"/>
+          </a:effectRef>
+          <a:fontRef idx="minor">
+            <a:schemeClr val="lt1"/>
+          </a:fontRef>
+        </p:style>
+        <p:txBody>
+          <a:bodyPr rtlCol="0" anchor="ctr"/>
+          <a:lstStyle/>
+          <a:p>
+            <a:pPr algn="ctr"/>
+            <a:endParaRPr lang="zh-CN" altLang="en-US"/>
+          </a:p>
+        </p:txBody>
+      </p:sp>
+      <p:sp>
+        <p:nvSpPr>
+          <p:cNvPr id="10" name="下箭头 9"/>
+          <p:cNvSpPr/>
+          <p:nvPr/>
+        </p:nvSpPr>
+        <p:spPr>
+          <a:xfrm rot="10800000">
+            <a:off x="6269854" y="2467993"/>
+            <a:ext cx="221942" cy="541538"/>
+          </a:xfrm>
+          <a:prstGeom prst="downArrow">
+            <a:avLst/>
+          </a:prstGeom>
+          <a:solidFill>
+            <a:srgbClr val="FFC000"/>
+          </a:solidFill>
+          <a:ln>
+            <a:solidFill>
+              <a:srgbClr val="FFC000"/>
+            </a:solidFill>
+          </a:ln>
+        </p:spPr>
+        <p:style>
+          <a:lnRef idx="2">
+            <a:schemeClr val="accent1">
+              <a:shade val="50000"/>
+            </a:schemeClr>
+          </a:lnRef>
+          <a:fillRef idx="1">
+            <a:schemeClr val="accent1"/>
+          </a:fillRef>
+          <a:effectRef idx="0">
+            <a:schemeClr val="accent1"/>
+          </a:effectRef>
+          <a:fontRef idx="minor">
+            <a:schemeClr val="lt1"/>
+          </a:fontRef>
+        </p:style>
+        <p:txBody>
+          <a:bodyPr rtlCol="0" anchor="ctr"/>
+          <a:lstStyle/>
+          <a:p>
+            <a:pPr algn="ctr"/>
+            <a:endParaRPr lang="zh-CN" altLang="en-US"/>
+          </a:p>
+        </p:txBody>
+      </p:sp>
+      <p:sp>
+        <p:nvSpPr>
+          <p:cNvPr id="11" name="下箭头 10"/>
+          <p:cNvSpPr/>
+          <p:nvPr/>
+        </p:nvSpPr>
+        <p:spPr>
+          <a:xfrm rot="10800000">
+            <a:off x="5279254" y="2467994"/>
+            <a:ext cx="221942" cy="541538"/>
+          </a:xfrm>
+          <a:prstGeom prst="downArrow">
+            <a:avLst/>
+          </a:prstGeom>
+          <a:noFill/>
+          <a:ln>
+            <a:solidFill>
+              <a:srgbClr val="C00000"/>
+            </a:solidFill>
+            <a:prstDash val="dash"/>
+          </a:ln>
+        </p:spPr>
+        <p:style>
+          <a:lnRef idx="2">
+            <a:schemeClr val="accent1">
+              <a:shade val="50000"/>
+            </a:schemeClr>
+          </a:lnRef>
+          <a:fillRef idx="1">
+            <a:schemeClr val="accent1"/>
+          </a:fillRef>
+          <a:effectRef idx="0">
+            <a:schemeClr val="accent1"/>
+          </a:effectRef>
+          <a:fontRef idx="minor">
+            <a:schemeClr val="lt1"/>
+          </a:fontRef>
+        </p:style>
+        <p:txBody>
+          <a:bodyPr rtlCol="0" anchor="ctr"/>
+          <a:lstStyle/>
+          <a:p>
+            <a:pPr algn="ctr"/>
+            <a:endParaRPr lang="zh-CN" altLang="en-US"/>
+          </a:p>
+        </p:txBody>
+      </p:sp>
+      <p:cxnSp>
+        <p:nvCxnSpPr>
+          <p:cNvPr id="13" name="直接箭头连接符 12"/>
+          <p:cNvCxnSpPr/>
+          <p:nvPr/>
+        </p:nvCxnSpPr>
+        <p:spPr>
+          <a:xfrm>
+            <a:off x="4598633" y="2738762"/>
+            <a:ext cx="585926" cy="0"/>
+          </a:xfrm>
+          <a:prstGeom prst="straightConnector1">
+            <a:avLst/>
+          </a:prstGeom>
+          <a:ln w="12700">
+            <a:solidFill>
+              <a:schemeClr val="tx1">
+                <a:lumMod val="65000"/>
+                <a:lumOff val="35000"/>
+              </a:schemeClr>
+            </a:solidFill>
+            <a:tailEnd type="triangle"/>
+          </a:ln>
+        </p:spPr>
+        <p:style>
+          <a:lnRef idx="1">
+            <a:schemeClr val="accent1"/>
+          </a:lnRef>
+          <a:fillRef idx="0">
+            <a:schemeClr val="accent1"/>
+          </a:fillRef>
+          <a:effectRef idx="0">
+            <a:schemeClr val="accent1"/>
+          </a:effectRef>
+          <a:fontRef idx="minor">
+            <a:schemeClr val="tx1"/>
+          </a:fontRef>
+        </p:style>
+      </p:cxnSp>
+      <p:sp>
+        <p:nvSpPr>
+          <p:cNvPr id="17" name="双括号 16"/>
+          <p:cNvSpPr/>
+          <p:nvPr/>
+        </p:nvSpPr>
+        <p:spPr>
+          <a:xfrm>
+            <a:off x="5672091" y="3160452"/>
+            <a:ext cx="1589104" cy="816744"/>
+          </a:xfrm>
+          <a:prstGeom prst="bracketPair">
+            <a:avLst/>
+          </a:prstGeom>
+          <a:ln>
+            <a:solidFill>
+              <a:schemeClr val="tx1">
+                <a:lumMod val="65000"/>
+                <a:lumOff val="35000"/>
+              </a:schemeClr>
+            </a:solidFill>
+          </a:ln>
+        </p:spPr>
+        <p:style>
+          <a:lnRef idx="1">
+            <a:schemeClr val="accent1"/>
+          </a:lnRef>
+          <a:fillRef idx="0">
+            <a:schemeClr val="accent1"/>
+          </a:fillRef>
+          <a:effectRef idx="0">
+            <a:schemeClr val="accent1"/>
+          </a:effectRef>
+          <a:fontRef idx="minor">
+            <a:schemeClr val="tx1"/>
+          </a:fontRef>
+        </p:style>
+        <p:txBody>
+          <a:bodyPr rtlCol="0" anchor="ctr"/>
+          <a:lstStyle/>
+          <a:p>
+            <a:pPr algn="ctr"/>
+            <a:r>
+              <a:rPr lang="zh-CN" altLang="en-US" sz="1000" dirty="0" smtClean="0">
+                <a:solidFill>
+                  <a:schemeClr val="tx1">
+                    <a:lumMod val="65000"/>
+                    <a:lumOff val="35000"/>
+                  </a:schemeClr>
+                </a:solidFill>
+                <a:latin typeface="微软雅黑" panose="020B0503020204020204" pitchFamily="34" charset="-122"/>
+                <a:ea typeface="微软雅黑" panose="020B0503020204020204" pitchFamily="34" charset="-122"/>
+              </a:rPr>
+              <a:t>移动指针，判断当前元素在两个指针之间是否出现过。如果出现则把开始指针向前推进</a:t>
+            </a:r>
+            <a:r>
+              <a:rPr lang="en-US" altLang="zh-CN" sz="1000" dirty="0" smtClean="0">
+                <a:solidFill>
+                  <a:schemeClr val="tx1">
+                    <a:lumMod val="65000"/>
+                    <a:lumOff val="35000"/>
+                  </a:schemeClr>
+                </a:solidFill>
+                <a:latin typeface="微软雅黑" panose="020B0503020204020204" pitchFamily="34" charset="-122"/>
+                <a:ea typeface="微软雅黑" panose="020B0503020204020204" pitchFamily="34" charset="-122"/>
+              </a:rPr>
+              <a:t>1</a:t>
+            </a:r>
+            <a:r>
+              <a:rPr lang="zh-CN" altLang="en-US" sz="1000" dirty="0" smtClean="0">
+                <a:solidFill>
+                  <a:schemeClr val="tx1">
+                    <a:lumMod val="65000"/>
+                    <a:lumOff val="35000"/>
+                  </a:schemeClr>
+                </a:solidFill>
+                <a:latin typeface="微软雅黑" panose="020B0503020204020204" pitchFamily="34" charset="-122"/>
+                <a:ea typeface="微软雅黑" panose="020B0503020204020204" pitchFamily="34" charset="-122"/>
+              </a:rPr>
+              <a:t>位。</a:t>
+            </a:r>
+            <a:endParaRPr lang="zh-CN" altLang="en-US" sz="1000" dirty="0">
+              <a:solidFill>
+                <a:schemeClr val="tx1">
+                  <a:lumMod val="65000"/>
+                  <a:lumOff val="35000"/>
+                </a:schemeClr>
+              </a:solidFill>
+              <a:latin typeface="微软雅黑" panose="020B0503020204020204" pitchFamily="34" charset="-122"/>
+              <a:ea typeface="微软雅黑" panose="020B0503020204020204" pitchFamily="34" charset="-122"/>
+            </a:endParaRPr>
+          </a:p>
+        </p:txBody>
+      </p:sp>
+      <p:sp>
+        <p:nvSpPr>
+          <p:cNvPr id="18" name="圆角矩形 17"/>
+          <p:cNvSpPr/>
+          <p:nvPr/>
+        </p:nvSpPr>
+        <p:spPr>
+          <a:xfrm>
+            <a:off x="3941685" y="1535837"/>
+            <a:ext cx="6862439" cy="2956264"/>
+          </a:xfrm>
+          <a:prstGeom prst="roundRect">
+            <a:avLst>
+              <a:gd name="adj" fmla="val 2342"/>
+            </a:avLst>
+          </a:prstGeom>
+          <a:noFill/>
+          <a:ln w="6350">
+            <a:solidFill>
+              <a:schemeClr val="tx1">
+                <a:lumMod val="65000"/>
+                <a:lumOff val="35000"/>
+              </a:schemeClr>
+            </a:solidFill>
+            <a:prstDash val="lgDashDotDot"/>
+          </a:ln>
+        </p:spPr>
+        <p:style>
+          <a:lnRef idx="2">
+            <a:schemeClr val="accent1">
+              <a:shade val="50000"/>
+            </a:schemeClr>
+          </a:lnRef>
+          <a:fillRef idx="1">
+            <a:schemeClr val="accent1"/>
+          </a:fillRef>
+          <a:effectRef idx="0">
+            <a:schemeClr val="accent1"/>
+          </a:effectRef>
+          <a:fontRef idx="minor">
+            <a:schemeClr val="lt1"/>
+          </a:fontRef>
+        </p:style>
+        <p:txBody>
+          <a:bodyPr rtlCol="0" anchor="ctr"/>
+          <a:lstStyle/>
+          <a:p>
+            <a:pPr algn="ctr"/>
+            <a:endParaRPr lang="zh-CN" altLang="en-US"/>
+          </a:p>
+        </p:txBody>
+      </p:sp>
+      <p:cxnSp>
+        <p:nvCxnSpPr>
+          <p:cNvPr id="20" name="直接连接符 19"/>
+          <p:cNvCxnSpPr/>
+          <p:nvPr/>
+        </p:nvCxnSpPr>
+        <p:spPr>
+          <a:xfrm>
+            <a:off x="3080551" y="2556770"/>
+            <a:ext cx="1017233" cy="0"/>
+          </a:xfrm>
+          <a:prstGeom prst="line">
+            <a:avLst/>
+          </a:prstGeom>
+          <a:ln>
+            <a:solidFill>
+              <a:schemeClr val="tx1">
+                <a:lumMod val="65000"/>
+                <a:lumOff val="35000"/>
+              </a:schemeClr>
+            </a:solidFill>
+          </a:ln>
+        </p:spPr>
+        <p:style>
+          <a:lnRef idx="1">
+            <a:schemeClr val="accent1"/>
+          </a:lnRef>
+          <a:fillRef idx="0">
+            <a:schemeClr val="accent1"/>
+          </a:fillRef>
+          <a:effectRef idx="0">
+            <a:schemeClr val="accent1"/>
+          </a:effectRef>
+          <a:fontRef idx="minor">
+            <a:schemeClr val="tx1"/>
+          </a:fontRef>
+        </p:style>
+      </p:cxnSp>
+      <p:sp>
+        <p:nvSpPr>
+          <p:cNvPr id="21" name="双括号 20"/>
+          <p:cNvSpPr/>
+          <p:nvPr/>
+        </p:nvSpPr>
+        <p:spPr>
+          <a:xfrm>
+            <a:off x="966925" y="2345925"/>
+            <a:ext cx="2025589" cy="421689"/>
+          </a:xfrm>
+          <a:prstGeom prst="bracketPair">
+            <a:avLst/>
+          </a:prstGeom>
+          <a:ln>
+            <a:solidFill>
+              <a:schemeClr val="tx1">
+                <a:lumMod val="65000"/>
+                <a:lumOff val="35000"/>
+              </a:schemeClr>
+            </a:solidFill>
+          </a:ln>
+        </p:spPr>
+        <p:style>
+          <a:lnRef idx="1">
+            <a:schemeClr val="accent1"/>
+          </a:lnRef>
+          <a:fillRef idx="0">
+            <a:schemeClr val="accent1"/>
+          </a:fillRef>
+          <a:effectRef idx="0">
+            <a:schemeClr val="accent1"/>
+          </a:effectRef>
+          <a:fontRef idx="minor">
+            <a:schemeClr val="tx1"/>
+          </a:fontRef>
+        </p:style>
+        <p:txBody>
+          <a:bodyPr rtlCol="0" anchor="ctr"/>
+          <a:lstStyle/>
+          <a:p>
+            <a:r>
+              <a:rPr lang="en-US" altLang="zh-CN" sz="1200" b="1" dirty="0" smtClean="0">
+                <a:solidFill>
+                  <a:schemeClr val="tx1">
+                    <a:lumMod val="65000"/>
+                    <a:lumOff val="35000"/>
+                  </a:schemeClr>
+                </a:solidFill>
+                <a:latin typeface="微软雅黑" panose="020B0503020204020204" pitchFamily="34" charset="-122"/>
+                <a:ea typeface="微软雅黑" panose="020B0503020204020204" pitchFamily="34" charset="-122"/>
+              </a:rPr>
+              <a:t>1. </a:t>
+            </a:r>
+            <a:r>
+              <a:rPr lang="zh-CN" altLang="en-US" sz="1200" b="1" dirty="0" smtClean="0">
+                <a:solidFill>
+                  <a:schemeClr val="tx1">
+                    <a:lumMod val="65000"/>
+                    <a:lumOff val="35000"/>
+                  </a:schemeClr>
+                </a:solidFill>
+                <a:latin typeface="微软雅黑" panose="020B0503020204020204" pitchFamily="34" charset="-122"/>
+                <a:ea typeface="微软雅黑" panose="020B0503020204020204" pitchFamily="34" charset="-122"/>
+              </a:rPr>
+              <a:t>寻找元素并获取位置</a:t>
+            </a:r>
+            <a:endParaRPr lang="zh-CN" altLang="en-US" sz="1200" b="1" dirty="0">
+              <a:solidFill>
+                <a:schemeClr val="tx1">
+                  <a:lumMod val="65000"/>
+                  <a:lumOff val="35000"/>
+                </a:schemeClr>
+              </a:solidFill>
+              <a:latin typeface="微软雅黑" panose="020B0503020204020204" pitchFamily="34" charset="-122"/>
+              <a:ea typeface="微软雅黑" panose="020B0503020204020204" pitchFamily="34" charset="-122"/>
+            </a:endParaRPr>
+          </a:p>
+        </p:txBody>
+      </p:sp>
+      <p:cxnSp>
+        <p:nvCxnSpPr>
+          <p:cNvPr id="22" name="直接连接符 21"/>
+          <p:cNvCxnSpPr/>
+          <p:nvPr/>
+        </p:nvCxnSpPr>
+        <p:spPr>
+          <a:xfrm>
+            <a:off x="3080551" y="3295097"/>
+            <a:ext cx="1017233" cy="0"/>
+          </a:xfrm>
+          <a:prstGeom prst="line">
+            <a:avLst/>
+          </a:prstGeom>
+          <a:ln>
+            <a:solidFill>
+              <a:schemeClr val="tx1">
+                <a:lumMod val="65000"/>
+                <a:lumOff val="35000"/>
+              </a:schemeClr>
+            </a:solidFill>
+          </a:ln>
+        </p:spPr>
+        <p:style>
+          <a:lnRef idx="1">
+            <a:schemeClr val="accent1"/>
+          </a:lnRef>
+          <a:fillRef idx="0">
+            <a:schemeClr val="accent1"/>
+          </a:fillRef>
+          <a:effectRef idx="0">
+            <a:schemeClr val="accent1"/>
+          </a:effectRef>
+          <a:fontRef idx="minor">
+            <a:schemeClr val="tx1"/>
+          </a:fontRef>
+        </p:style>
+      </p:cxnSp>
+      <p:sp>
+        <p:nvSpPr>
+          <p:cNvPr id="23" name="双括号 22"/>
+          <p:cNvSpPr/>
+          <p:nvPr/>
+        </p:nvSpPr>
+        <p:spPr>
+          <a:xfrm>
+            <a:off x="966925" y="3084252"/>
+            <a:ext cx="2025589" cy="421689"/>
+          </a:xfrm>
+          <a:prstGeom prst="bracketPair">
+            <a:avLst/>
+          </a:prstGeom>
+          <a:ln>
+            <a:solidFill>
+              <a:schemeClr val="tx1">
+                <a:lumMod val="65000"/>
+                <a:lumOff val="35000"/>
+              </a:schemeClr>
+            </a:solidFill>
+          </a:ln>
+        </p:spPr>
+        <p:style>
+          <a:lnRef idx="1">
+            <a:schemeClr val="accent1"/>
+          </a:lnRef>
+          <a:fillRef idx="0">
+            <a:schemeClr val="accent1"/>
+          </a:fillRef>
+          <a:effectRef idx="0">
+            <a:schemeClr val="accent1"/>
+          </a:effectRef>
+          <a:fontRef idx="minor">
+            <a:schemeClr val="tx1"/>
+          </a:fontRef>
+        </p:style>
+        <p:txBody>
+          <a:bodyPr rtlCol="0" anchor="ctr"/>
+          <a:lstStyle/>
+          <a:p>
+            <a:r>
+              <a:rPr lang="en-US" altLang="zh-CN" sz="1200" b="1" dirty="0">
+                <a:solidFill>
+                  <a:schemeClr val="tx1">
+                    <a:lumMod val="65000"/>
+                    <a:lumOff val="35000"/>
+                  </a:schemeClr>
+                </a:solidFill>
+                <a:latin typeface="微软雅黑" panose="020B0503020204020204" pitchFamily="34" charset="-122"/>
+                <a:ea typeface="微软雅黑" panose="020B0503020204020204" pitchFamily="34" charset="-122"/>
+              </a:rPr>
+              <a:t>2</a:t>
+            </a:r>
+            <a:r>
+              <a:rPr lang="en-US" altLang="zh-CN" sz="1200" b="1" dirty="0" smtClean="0">
+                <a:solidFill>
+                  <a:schemeClr val="tx1">
+                    <a:lumMod val="65000"/>
+                    <a:lumOff val="35000"/>
+                  </a:schemeClr>
+                </a:solidFill>
+                <a:latin typeface="微软雅黑" panose="020B0503020204020204" pitchFamily="34" charset="-122"/>
+                <a:ea typeface="微软雅黑" panose="020B0503020204020204" pitchFamily="34" charset="-122"/>
+              </a:rPr>
+              <a:t>. </a:t>
+            </a:r>
+            <a:r>
+              <a:rPr lang="zh-CN" altLang="en-US" sz="1200" b="1" dirty="0" smtClean="0">
+                <a:solidFill>
+                  <a:schemeClr val="tx1">
+                    <a:lumMod val="65000"/>
+                    <a:lumOff val="35000"/>
+                  </a:schemeClr>
+                </a:solidFill>
+                <a:latin typeface="微软雅黑" panose="020B0503020204020204" pitchFamily="34" charset="-122"/>
+                <a:ea typeface="微软雅黑" panose="020B0503020204020204" pitchFamily="34" charset="-122"/>
+              </a:rPr>
+              <a:t>元素碰撞时计算长度</a:t>
+            </a:r>
+            <a:endParaRPr lang="zh-CN" altLang="en-US" sz="1200" b="1" dirty="0">
+              <a:solidFill>
+                <a:schemeClr val="tx1">
+                  <a:lumMod val="65000"/>
+                  <a:lumOff val="35000"/>
+                </a:schemeClr>
+              </a:solidFill>
+              <a:latin typeface="微软雅黑" panose="020B0503020204020204" pitchFamily="34" charset="-122"/>
+              <a:ea typeface="微软雅黑" panose="020B0503020204020204" pitchFamily="34" charset="-122"/>
+            </a:endParaRPr>
+          </a:p>
+        </p:txBody>
+      </p:sp>
+      <p:cxnSp>
+        <p:nvCxnSpPr>
+          <p:cNvPr id="24" name="直接连接符 23"/>
+          <p:cNvCxnSpPr/>
+          <p:nvPr/>
+        </p:nvCxnSpPr>
+        <p:spPr>
+          <a:xfrm>
+            <a:off x="3080551" y="3977196"/>
+            <a:ext cx="1017233" cy="0"/>
+          </a:xfrm>
+          <a:prstGeom prst="line">
+            <a:avLst/>
+          </a:prstGeom>
+          <a:ln>
+            <a:solidFill>
+              <a:schemeClr val="tx1">
+                <a:lumMod val="65000"/>
+                <a:lumOff val="35000"/>
+              </a:schemeClr>
+            </a:solidFill>
+          </a:ln>
+        </p:spPr>
+        <p:style>
+          <a:lnRef idx="1">
+            <a:schemeClr val="accent1"/>
+          </a:lnRef>
+          <a:fillRef idx="0">
+            <a:schemeClr val="accent1"/>
+          </a:fillRef>
+          <a:effectRef idx="0">
+            <a:schemeClr val="accent1"/>
+          </a:effectRef>
+          <a:fontRef idx="minor">
+            <a:schemeClr val="tx1"/>
+          </a:fontRef>
+        </p:style>
+      </p:cxnSp>
+      <p:sp>
+        <p:nvSpPr>
+          <p:cNvPr id="25" name="双括号 24"/>
+          <p:cNvSpPr/>
+          <p:nvPr/>
+        </p:nvSpPr>
+        <p:spPr>
+          <a:xfrm>
+            <a:off x="966925" y="3766351"/>
+            <a:ext cx="2025589" cy="421689"/>
+          </a:xfrm>
+          <a:prstGeom prst="bracketPair">
+            <a:avLst/>
+          </a:prstGeom>
+          <a:ln>
+            <a:solidFill>
+              <a:schemeClr val="tx1">
+                <a:lumMod val="65000"/>
+                <a:lumOff val="35000"/>
+              </a:schemeClr>
+            </a:solidFill>
+          </a:ln>
+        </p:spPr>
+        <p:style>
+          <a:lnRef idx="1">
+            <a:schemeClr val="accent1"/>
+          </a:lnRef>
+          <a:fillRef idx="0">
+            <a:schemeClr val="accent1"/>
+          </a:fillRef>
+          <a:effectRef idx="0">
+            <a:schemeClr val="accent1"/>
+          </a:effectRef>
+          <a:fontRef idx="minor">
+            <a:schemeClr val="tx1"/>
+          </a:fontRef>
+        </p:style>
+        <p:txBody>
+          <a:bodyPr rtlCol="0" anchor="ctr"/>
+          <a:lstStyle/>
+          <a:p>
+            <a:r>
+              <a:rPr lang="en-US" altLang="zh-CN" sz="1200" b="1" dirty="0" smtClean="0">
+                <a:solidFill>
+                  <a:schemeClr val="tx1">
+                    <a:lumMod val="65000"/>
+                    <a:lumOff val="35000"/>
+                  </a:schemeClr>
+                </a:solidFill>
+                <a:latin typeface="微软雅黑" panose="020B0503020204020204" pitchFamily="34" charset="-122"/>
+                <a:ea typeface="微软雅黑" panose="020B0503020204020204" pitchFamily="34" charset="-122"/>
+              </a:rPr>
+              <a:t>3. </a:t>
+            </a:r>
+            <a:r>
+              <a:rPr lang="zh-CN" altLang="en-US" sz="1200" b="1" dirty="0" smtClean="0">
+                <a:solidFill>
+                  <a:schemeClr val="tx1">
+                    <a:lumMod val="65000"/>
+                    <a:lumOff val="35000"/>
+                  </a:schemeClr>
+                </a:solidFill>
+                <a:latin typeface="微软雅黑" panose="020B0503020204020204" pitchFamily="34" charset="-122"/>
+                <a:ea typeface="微软雅黑" panose="020B0503020204020204" pitchFamily="34" charset="-122"/>
+              </a:rPr>
+              <a:t>计算最大长度值输出</a:t>
+            </a:r>
+            <a:endParaRPr lang="zh-CN" altLang="en-US" sz="1200" b="1" dirty="0">
+              <a:solidFill>
+                <a:schemeClr val="tx1">
+                  <a:lumMod val="65000"/>
+                  <a:lumOff val="35000"/>
+                </a:schemeClr>
+              </a:solidFill>
+              <a:latin typeface="微软雅黑" panose="020B0503020204020204" pitchFamily="34" charset="-122"/>
+              <a:ea typeface="微软雅黑" panose="020B0503020204020204" pitchFamily="34" charset="-122"/>
+            </a:endParaRPr>
+          </a:p>
+        </p:txBody>
+      </p:sp>
+      <p:cxnSp>
+        <p:nvCxnSpPr>
+          <p:cNvPr id="27" name="肘形连接符 26"/>
+          <p:cNvCxnSpPr>
+            <a:stCxn id="4" idx="0"/>
+            <a:endCxn id="2" idx="0"/>
+          </p:cNvCxnSpPr>
+          <p:nvPr/>
+        </p:nvCxnSpPr>
+        <p:spPr>
+          <a:xfrm rot="16200000" flipV="1">
+            <a:off x="5390225" y="847079"/>
+            <a:ext cx="12700" cy="1981200"/>
+          </a:xfrm>
+          <a:prstGeom prst="bentConnector3">
+            <a:avLst>
+              <a:gd name="adj1" fmla="val 1800000"/>
+            </a:avLst>
+          </a:prstGeom>
+          <a:ln>
+            <a:solidFill>
+              <a:srgbClr val="C00000"/>
+            </a:solidFill>
+            <a:tailEnd type="triangle"/>
+          </a:ln>
+        </p:spPr>
+        <p:style>
+          <a:lnRef idx="1">
+            <a:schemeClr val="accent1"/>
+          </a:lnRef>
+          <a:fillRef idx="0">
+            <a:schemeClr val="accent1"/>
+          </a:fillRef>
+          <a:effectRef idx="0">
+            <a:schemeClr val="accent1"/>
+          </a:effectRef>
+          <a:fontRef idx="minor">
+            <a:schemeClr val="tx1"/>
+          </a:fontRef>
+        </p:style>
+      </p:cxnSp>
     </p:spTree>
     <p:extLst>
       <p:ext uri="{BB962C8B-B14F-4D97-AF65-F5344CB8AC3E}">
@@ -11433,6 +12582,13 @@
   <p:clrMapOvr>
     <a:masterClrMapping/>
   </p:clrMapOvr>
+  <p:timing>
+    <p:tnLst>
+      <p:par>
+        <p:cTn id="1" dur="indefinite" restart="never" nodeType="tmRoot"/>
+      </p:par>
+    </p:tnLst>
+  </p:timing>
 </p:sld>
 </file>
 
